--- a/doc/paper/image/overview/overview.pptx
+++ b/doc/paper/image/overview/overview.pptx
@@ -288,7 +288,7 @@
           <a:p>
             <a:fld id="{744B9CBE-27F0-AE4D-9C59-4DBB758A3D82}" type="datetimeFigureOut">
               <a:rPr lang="en-US" smtClean="0"/>
-              <a:t>3/16/15</a:t>
+              <a:t>3/17/15</a:t>
             </a:fld>
             <a:endParaRPr lang="en-US"/>
           </a:p>
@@ -458,7 +458,7 @@
           <a:p>
             <a:fld id="{744B9CBE-27F0-AE4D-9C59-4DBB758A3D82}" type="datetimeFigureOut">
               <a:rPr lang="en-US" smtClean="0"/>
-              <a:t>3/16/15</a:t>
+              <a:t>3/17/15</a:t>
             </a:fld>
             <a:endParaRPr lang="en-US"/>
           </a:p>
@@ -638,7 +638,7 @@
           <a:p>
             <a:fld id="{744B9CBE-27F0-AE4D-9C59-4DBB758A3D82}" type="datetimeFigureOut">
               <a:rPr lang="en-US" smtClean="0"/>
-              <a:t>3/16/15</a:t>
+              <a:t>3/17/15</a:t>
             </a:fld>
             <a:endParaRPr lang="en-US"/>
           </a:p>
@@ -808,7 +808,7 @@
           <a:p>
             <a:fld id="{744B9CBE-27F0-AE4D-9C59-4DBB758A3D82}" type="datetimeFigureOut">
               <a:rPr lang="en-US" smtClean="0"/>
-              <a:t>3/16/15</a:t>
+              <a:t>3/17/15</a:t>
             </a:fld>
             <a:endParaRPr lang="en-US"/>
           </a:p>
@@ -1054,7 +1054,7 @@
           <a:p>
             <a:fld id="{744B9CBE-27F0-AE4D-9C59-4DBB758A3D82}" type="datetimeFigureOut">
               <a:rPr lang="en-US" smtClean="0"/>
-              <a:t>3/16/15</a:t>
+              <a:t>3/17/15</a:t>
             </a:fld>
             <a:endParaRPr lang="en-US"/>
           </a:p>
@@ -1342,7 +1342,7 @@
           <a:p>
             <a:fld id="{744B9CBE-27F0-AE4D-9C59-4DBB758A3D82}" type="datetimeFigureOut">
               <a:rPr lang="en-US" smtClean="0"/>
-              <a:t>3/16/15</a:t>
+              <a:t>3/17/15</a:t>
             </a:fld>
             <a:endParaRPr lang="en-US"/>
           </a:p>
@@ -1769,7 +1769,7 @@
           <a:p>
             <a:fld id="{744B9CBE-27F0-AE4D-9C59-4DBB758A3D82}" type="datetimeFigureOut">
               <a:rPr lang="en-US" smtClean="0"/>
-              <a:t>3/16/15</a:t>
+              <a:t>3/17/15</a:t>
             </a:fld>
             <a:endParaRPr lang="en-US"/>
           </a:p>
@@ -1887,7 +1887,7 @@
           <a:p>
             <a:fld id="{744B9CBE-27F0-AE4D-9C59-4DBB758A3D82}" type="datetimeFigureOut">
               <a:rPr lang="en-US" smtClean="0"/>
-              <a:t>3/16/15</a:t>
+              <a:t>3/17/15</a:t>
             </a:fld>
             <a:endParaRPr lang="en-US"/>
           </a:p>
@@ -1982,7 +1982,7 @@
           <a:p>
             <a:fld id="{744B9CBE-27F0-AE4D-9C59-4DBB758A3D82}" type="datetimeFigureOut">
               <a:rPr lang="en-US" smtClean="0"/>
-              <a:t>3/16/15</a:t>
+              <a:t>3/17/15</a:t>
             </a:fld>
             <a:endParaRPr lang="en-US"/>
           </a:p>
@@ -2259,7 +2259,7 @@
           <a:p>
             <a:fld id="{744B9CBE-27F0-AE4D-9C59-4DBB758A3D82}" type="datetimeFigureOut">
               <a:rPr lang="en-US" smtClean="0"/>
-              <a:t>3/16/15</a:t>
+              <a:t>3/17/15</a:t>
             </a:fld>
             <a:endParaRPr lang="en-US"/>
           </a:p>
@@ -2512,7 +2512,7 @@
           <a:p>
             <a:fld id="{744B9CBE-27F0-AE4D-9C59-4DBB758A3D82}" type="datetimeFigureOut">
               <a:rPr lang="en-US" smtClean="0"/>
-              <a:t>3/16/15</a:t>
+              <a:t>3/17/15</a:t>
             </a:fld>
             <a:endParaRPr lang="en-US"/>
           </a:p>
@@ -2725,7 +2725,7 @@
           <a:p>
             <a:fld id="{744B9CBE-27F0-AE4D-9C59-4DBB758A3D82}" type="datetimeFigureOut">
               <a:rPr lang="en-US" smtClean="0"/>
-              <a:t>3/16/15</a:t>
+              <a:t>3/17/15</a:t>
             </a:fld>
             <a:endParaRPr lang="en-US"/>
           </a:p>
@@ -3107,9 +3107,9 @@
           <p:nvPr/>
         </p:nvCxnSpPr>
         <p:spPr>
-          <a:xfrm flipV="1">
-            <a:off x="541327" y="2379168"/>
-            <a:ext cx="17167557" cy="17890"/>
+          <a:xfrm>
+            <a:off x="190500" y="2379168"/>
+            <a:ext cx="17518384" cy="0"/>
           </a:xfrm>
           <a:prstGeom prst="line">
             <a:avLst/>
@@ -3143,8 +3143,8 @@
         </p:nvCxnSpPr>
         <p:spPr>
           <a:xfrm flipV="1">
-            <a:off x="541327" y="4964399"/>
-            <a:ext cx="17167557" cy="17890"/>
+            <a:off x="190500" y="4964399"/>
+            <a:ext cx="17518384" cy="17890"/>
           </a:xfrm>
           <a:prstGeom prst="line">
             <a:avLst/>
@@ -3178,7 +3178,7 @@
         </p:nvCxnSpPr>
         <p:spPr>
           <a:xfrm>
-            <a:off x="4024746" y="160996"/>
+            <a:off x="3432070" y="160996"/>
             <a:ext cx="0" cy="6916887"/>
           </a:xfrm>
           <a:prstGeom prst="line">
@@ -3212,9 +3212,9 @@
           <p:nvPr/>
         </p:nvCxnSpPr>
         <p:spPr>
-          <a:xfrm flipV="1">
-            <a:off x="4096298" y="885829"/>
-            <a:ext cx="13612586" cy="2"/>
+          <a:xfrm>
+            <a:off x="3559073" y="885829"/>
+            <a:ext cx="14149811" cy="0"/>
           </a:xfrm>
           <a:prstGeom prst="line">
             <a:avLst/>
@@ -3248,9 +3248,9 @@
           <p:nvPr/>
         </p:nvCxnSpPr>
         <p:spPr>
-          <a:xfrm flipV="1">
-            <a:off x="4105594" y="1682197"/>
-            <a:ext cx="13603290" cy="2"/>
+          <a:xfrm>
+            <a:off x="3559073" y="1593717"/>
+            <a:ext cx="14149811" cy="88481"/>
           </a:xfrm>
           <a:prstGeom prst="line">
             <a:avLst/>
@@ -3285,8 +3285,8 @@
         </p:nvSpPr>
         <p:spPr>
           <a:xfrm>
-            <a:off x="4105594" y="160996"/>
-            <a:ext cx="4874062" cy="572432"/>
+            <a:off x="3559073" y="160996"/>
+            <a:ext cx="5420583" cy="572432"/>
           </a:xfrm>
           <a:prstGeom prst="rect">
             <a:avLst/>
@@ -3329,8 +3329,8 @@
         </p:nvSpPr>
         <p:spPr>
           <a:xfrm>
-            <a:off x="4105594" y="214662"/>
-            <a:ext cx="4874062" cy="400110"/>
+            <a:off x="3559073" y="214662"/>
+            <a:ext cx="5420584" cy="400110"/>
           </a:xfrm>
           <a:prstGeom prst="rect">
             <a:avLst/>
@@ -3346,7 +3346,7 @@
             <a:pPr algn="ctr"/>
             <a:r>
               <a:rPr lang="en-US" sz="2000" dirty="0" smtClean="0"/>
-              <a:t>Slab Allocator + buddy system Allocator</a:t>
+              <a:t>Page Allocations from Existing Memory Allocators</a:t>
             </a:r>
             <a:endParaRPr lang="en-US" sz="2000" dirty="0"/>
           </a:p>
@@ -3465,7 +3465,15 @@
             <a:pPr algn="ctr"/>
             <a:r>
               <a:rPr lang="en-US" sz="2000" dirty="0" smtClean="0"/>
-              <a:t>Page Table validations</a:t>
+              <a:t>Page Table </a:t>
+            </a:r>
+            <a:r>
+              <a:rPr lang="en-US" sz="2000" dirty="0"/>
+              <a:t>V</a:t>
+            </a:r>
+            <a:r>
+              <a:rPr lang="en-US" sz="2000" dirty="0" smtClean="0"/>
+              <a:t>alidations</a:t>
             </a:r>
             <a:endParaRPr lang="en-US" sz="2000" dirty="0"/>
           </a:p>
@@ -3540,7 +3548,11 @@
             <a:pPr algn="ctr"/>
             <a:r>
               <a:rPr lang="en-US" sz="2000" dirty="0" smtClean="0"/>
-              <a:t>DMA Preventions</a:t>
+              <a:t>DMA </a:t>
+            </a:r>
+            <a:r>
+              <a:rPr lang="en-US" sz="2000" dirty="0" smtClean="0"/>
+              <a:t>Validations</a:t>
             </a:r>
             <a:endParaRPr lang="en-US" sz="2000" dirty="0"/>
           </a:p>
@@ -3636,7 +3648,7 @@
         </p:nvSpPr>
         <p:spPr>
           <a:xfrm>
-            <a:off x="541327" y="885831"/>
+            <a:off x="350824" y="885831"/>
             <a:ext cx="2914837" cy="707886"/>
           </a:xfrm>
           <a:prstGeom prst="rect">
@@ -3650,10 +3662,27 @@
           </a:bodyPr>
           <a:lstStyle/>
           <a:p>
+            <a:pPr marL="457200" indent="-457200" algn="ctr">
+              <a:buAutoNum type="alphaLcParenBoth"/>
+            </a:pPr>
+            <a:r>
+              <a:rPr lang="en-US" sz="2000" b="1" dirty="0" smtClean="0"/>
+              <a:t>Baseline</a:t>
+            </a:r>
+          </a:p>
+          <a:p>
             <a:pPr algn="ctr"/>
             <a:r>
               <a:rPr lang="en-US" sz="2000" b="1" dirty="0" smtClean="0"/>
-              <a:t>(a) Baseline – page table allocation</a:t>
+              <a:t>(Page </a:t>
+            </a:r>
+            <a:r>
+              <a:rPr lang="en-US" sz="2000" b="1" dirty="0"/>
+              <a:t>T</a:t>
+            </a:r>
+            <a:r>
+              <a:rPr lang="en-US" sz="2000" b="1" dirty="0" smtClean="0"/>
+              <a:t>able Allocation)</a:t>
             </a:r>
             <a:endParaRPr lang="en-US" sz="2000" b="1" dirty="0"/>
           </a:p>
@@ -3759,7 +3788,7 @@
         </p:nvSpPr>
         <p:spPr>
           <a:xfrm>
-            <a:off x="541327" y="3289518"/>
+            <a:off x="350824" y="3289518"/>
             <a:ext cx="2914837" cy="707886"/>
           </a:xfrm>
           <a:prstGeom prst="rect">
@@ -3790,7 +3819,7 @@
         </p:nvSpPr>
         <p:spPr>
           <a:xfrm>
-            <a:off x="541327" y="5716390"/>
+            <a:off x="350824" y="5716390"/>
             <a:ext cx="2914837" cy="707886"/>
           </a:xfrm>
           <a:prstGeom prst="rect">
@@ -3821,8 +3850,8 @@
         </p:nvCxnSpPr>
         <p:spPr>
           <a:xfrm>
-            <a:off x="4351435" y="614772"/>
-            <a:ext cx="4372256" cy="0"/>
+            <a:off x="3725333" y="614772"/>
+            <a:ext cx="5133822" cy="0"/>
           </a:xfrm>
           <a:prstGeom prst="straightConnector1">
             <a:avLst/>
@@ -4116,9 +4145,9 @@
           <p:nvPr/>
         </p:nvCxnSpPr>
         <p:spPr>
-          <a:xfrm flipV="1">
-            <a:off x="4100529" y="3366599"/>
-            <a:ext cx="13612586" cy="2"/>
+          <a:xfrm>
+            <a:off x="3559073" y="3366599"/>
+            <a:ext cx="14154042" cy="0"/>
           </a:xfrm>
           <a:prstGeom prst="line">
             <a:avLst/>
@@ -4152,9 +4181,9 @@
           <p:nvPr/>
         </p:nvCxnSpPr>
         <p:spPr>
-          <a:xfrm flipV="1">
-            <a:off x="4109825" y="4162967"/>
-            <a:ext cx="13603290" cy="2"/>
+          <a:xfrm>
+            <a:off x="3559073" y="4162967"/>
+            <a:ext cx="14154042" cy="0"/>
           </a:xfrm>
           <a:prstGeom prst="line">
             <a:avLst/>
@@ -4369,7 +4398,11 @@
             <a:pPr algn="ctr"/>
             <a:r>
               <a:rPr lang="en-US" sz="2000" dirty="0" smtClean="0"/>
-              <a:t>Page Table validations</a:t>
+              <a:t>Page Table </a:t>
+            </a:r>
+            <a:r>
+              <a:rPr lang="en-US" sz="2000" dirty="0" smtClean="0"/>
+              <a:t>Validations</a:t>
             </a:r>
             <a:endParaRPr lang="en-US" sz="2000" dirty="0"/>
           </a:p>
@@ -4444,7 +4477,11 @@
             <a:pPr algn="ctr"/>
             <a:r>
               <a:rPr lang="en-US" sz="2000" dirty="0" smtClean="0"/>
-              <a:t>DMA Preventions</a:t>
+              <a:t>DMA </a:t>
+            </a:r>
+            <a:r>
+              <a:rPr lang="en-US" sz="2000" dirty="0" smtClean="0"/>
+              <a:t>Validations</a:t>
             </a:r>
             <a:endParaRPr lang="en-US" sz="2000" dirty="0"/>
           </a:p>
@@ -4927,9 +4964,9 @@
           <p:nvPr/>
         </p:nvCxnSpPr>
         <p:spPr>
-          <a:xfrm flipV="1">
-            <a:off x="4104760" y="5974371"/>
-            <a:ext cx="13612586" cy="2"/>
+          <a:xfrm>
+            <a:off x="3559073" y="5974371"/>
+            <a:ext cx="14158273" cy="0"/>
           </a:xfrm>
           <a:prstGeom prst="line">
             <a:avLst/>
@@ -4963,9 +5000,9 @@
           <p:nvPr/>
         </p:nvCxnSpPr>
         <p:spPr>
-          <a:xfrm flipV="1">
-            <a:off x="4114056" y="6770739"/>
-            <a:ext cx="13603290" cy="2"/>
+          <a:xfrm>
+            <a:off x="3559073" y="6770739"/>
+            <a:ext cx="14158273" cy="1"/>
           </a:xfrm>
           <a:prstGeom prst="line">
             <a:avLst/>
@@ -5180,7 +5217,11 @@
             <a:pPr algn="ctr"/>
             <a:r>
               <a:rPr lang="en-US" sz="2000" dirty="0" smtClean="0"/>
-              <a:t>Page Table validations</a:t>
+              <a:t>Page Table </a:t>
+            </a:r>
+            <a:r>
+              <a:rPr lang="en-US" sz="2000" dirty="0" smtClean="0"/>
+              <a:t>Validations</a:t>
             </a:r>
             <a:endParaRPr lang="en-US" sz="2000" dirty="0"/>
           </a:p>

--- a/doc/paper/image/overview/overview.pptx
+++ b/doc/paper/image/overview/overview.pptx
@@ -7,7 +7,7 @@
   <p:sldIdLst>
     <p:sldId id="256" r:id="rId2"/>
   </p:sldIdLst>
-  <p:sldSz cx="18288000" cy="7315200"/>
+  <p:sldSz cx="18288000" cy="7772400"/>
   <p:notesSz cx="6858000" cy="9144000"/>
   <p:defaultTextStyle>
     <a:defPPr>
@@ -136,8 +136,8 @@
         </p:nvSpPr>
         <p:spPr>
           <a:xfrm>
-            <a:off x="1371600" y="2272457"/>
-            <a:ext cx="15544800" cy="1568026"/>
+            <a:off x="1371600" y="2414485"/>
+            <a:ext cx="15544800" cy="1666028"/>
           </a:xfrm>
         </p:spPr>
         <p:txBody>
@@ -164,8 +164,8 @@
         </p:nvSpPr>
         <p:spPr>
           <a:xfrm>
-            <a:off x="2743200" y="4145280"/>
-            <a:ext cx="12801600" cy="1869440"/>
+            <a:off x="2743200" y="4404360"/>
+            <a:ext cx="12801600" cy="1986280"/>
           </a:xfrm>
         </p:spPr>
         <p:txBody>
@@ -548,8 +548,8 @@
         </p:nvSpPr>
         <p:spPr>
           <a:xfrm>
-            <a:off x="26517600" y="292951"/>
-            <a:ext cx="8229600" cy="6241626"/>
+            <a:off x="26517600" y="311260"/>
+            <a:ext cx="8229600" cy="6631728"/>
           </a:xfrm>
         </p:spPr>
         <p:txBody>
@@ -576,8 +576,8 @@
         </p:nvSpPr>
         <p:spPr>
           <a:xfrm>
-            <a:off x="1828800" y="292951"/>
-            <a:ext cx="24384000" cy="6241626"/>
+            <a:off x="1828800" y="311260"/>
+            <a:ext cx="24384000" cy="6631728"/>
           </a:xfrm>
         </p:spPr>
         <p:txBody>
@@ -898,8 +898,8 @@
         </p:nvSpPr>
         <p:spPr>
           <a:xfrm>
-            <a:off x="1444626" y="4700696"/>
-            <a:ext cx="15544800" cy="1452880"/>
+            <a:off x="1444626" y="4994490"/>
+            <a:ext cx="15544800" cy="1543685"/>
           </a:xfrm>
         </p:spPr>
         <p:txBody>
@@ -930,8 +930,8 @@
         </p:nvSpPr>
         <p:spPr>
           <a:xfrm>
-            <a:off x="1444626" y="3100497"/>
-            <a:ext cx="15544800" cy="1600199"/>
+            <a:off x="1444626" y="3294279"/>
+            <a:ext cx="15544800" cy="1700211"/>
           </a:xfrm>
         </p:spPr>
         <p:txBody>
@@ -1167,8 +1167,8 @@
         </p:nvSpPr>
         <p:spPr>
           <a:xfrm>
-            <a:off x="1828800" y="1706883"/>
-            <a:ext cx="16306800" cy="4827694"/>
+            <a:off x="1828800" y="1813563"/>
+            <a:ext cx="16306800" cy="5129425"/>
           </a:xfrm>
         </p:spPr>
         <p:txBody>
@@ -1252,8 +1252,8 @@
         </p:nvSpPr>
         <p:spPr>
           <a:xfrm>
-            <a:off x="18440400" y="1706883"/>
-            <a:ext cx="16306800" cy="4827694"/>
+            <a:off x="18440400" y="1813563"/>
+            <a:ext cx="16306800" cy="5129425"/>
           </a:xfrm>
         </p:spPr>
         <p:txBody>
@@ -1432,8 +1432,8 @@
         </p:nvSpPr>
         <p:spPr>
           <a:xfrm>
-            <a:off x="914400" y="292947"/>
-            <a:ext cx="16459200" cy="1219200"/>
+            <a:off x="914400" y="311256"/>
+            <a:ext cx="16459200" cy="1295400"/>
           </a:xfrm>
         </p:spPr>
         <p:txBody>
@@ -1464,8 +1464,8 @@
         </p:nvSpPr>
         <p:spPr>
           <a:xfrm>
-            <a:off x="914400" y="1637453"/>
-            <a:ext cx="8080376" cy="682413"/>
+            <a:off x="914400" y="1739794"/>
+            <a:ext cx="8080376" cy="725064"/>
           </a:xfrm>
         </p:spPr>
         <p:txBody>
@@ -1529,8 +1529,8 @@
         </p:nvSpPr>
         <p:spPr>
           <a:xfrm>
-            <a:off x="914400" y="2319867"/>
-            <a:ext cx="8080376" cy="4214707"/>
+            <a:off x="914400" y="2464859"/>
+            <a:ext cx="8080376" cy="4478126"/>
           </a:xfrm>
         </p:spPr>
         <p:txBody>
@@ -1614,8 +1614,8 @@
         </p:nvSpPr>
         <p:spPr>
           <a:xfrm>
-            <a:off x="9290051" y="1637453"/>
-            <a:ext cx="8083550" cy="682413"/>
+            <a:off x="9290051" y="1739794"/>
+            <a:ext cx="8083550" cy="725064"/>
           </a:xfrm>
         </p:spPr>
         <p:txBody>
@@ -1679,8 +1679,8 @@
         </p:nvSpPr>
         <p:spPr>
           <a:xfrm>
-            <a:off x="9290051" y="2319867"/>
-            <a:ext cx="8083550" cy="4214707"/>
+            <a:off x="9290051" y="2464859"/>
+            <a:ext cx="8083550" cy="4478126"/>
           </a:xfrm>
         </p:spPr>
         <p:txBody>
@@ -2072,8 +2072,8 @@
         </p:nvSpPr>
         <p:spPr>
           <a:xfrm>
-            <a:off x="914401" y="291254"/>
-            <a:ext cx="6016626" cy="1239520"/>
+            <a:off x="914401" y="309457"/>
+            <a:ext cx="6016626" cy="1316990"/>
           </a:xfrm>
         </p:spPr>
         <p:txBody>
@@ -2104,8 +2104,8 @@
         </p:nvSpPr>
         <p:spPr>
           <a:xfrm>
-            <a:off x="7150100" y="291256"/>
-            <a:ext cx="10223500" cy="6243321"/>
+            <a:off x="7150100" y="309460"/>
+            <a:ext cx="10223500" cy="6633529"/>
           </a:xfrm>
         </p:spPr>
         <p:txBody>
@@ -2189,8 +2189,8 @@
         </p:nvSpPr>
         <p:spPr>
           <a:xfrm>
-            <a:off x="914401" y="1530776"/>
-            <a:ext cx="6016626" cy="5003801"/>
+            <a:off x="914401" y="1626450"/>
+            <a:ext cx="6016626" cy="5316539"/>
           </a:xfrm>
         </p:spPr>
         <p:txBody>
@@ -2349,8 +2349,8 @@
         </p:nvSpPr>
         <p:spPr>
           <a:xfrm>
-            <a:off x="3584576" y="5120641"/>
-            <a:ext cx="10972800" cy="604521"/>
+            <a:off x="3584576" y="5440681"/>
+            <a:ext cx="10972800" cy="642304"/>
           </a:xfrm>
         </p:spPr>
         <p:txBody>
@@ -2381,8 +2381,8 @@
         </p:nvSpPr>
         <p:spPr>
           <a:xfrm>
-            <a:off x="3584576" y="653626"/>
-            <a:ext cx="10972800" cy="4389120"/>
+            <a:off x="3584576" y="694478"/>
+            <a:ext cx="10972800" cy="4663440"/>
           </a:xfrm>
         </p:spPr>
         <p:txBody>
@@ -2442,8 +2442,8 @@
         </p:nvSpPr>
         <p:spPr>
           <a:xfrm>
-            <a:off x="3584576" y="5725162"/>
-            <a:ext cx="10972800" cy="858519"/>
+            <a:off x="3584576" y="6082985"/>
+            <a:ext cx="10972800" cy="912176"/>
           </a:xfrm>
         </p:spPr>
         <p:txBody>
@@ -2607,8 +2607,8 @@
         </p:nvSpPr>
         <p:spPr>
           <a:xfrm>
-            <a:off x="914400" y="292947"/>
-            <a:ext cx="16459200" cy="1219200"/>
+            <a:off x="914400" y="311256"/>
+            <a:ext cx="16459200" cy="1295400"/>
           </a:xfrm>
           <a:prstGeom prst="rect">
             <a:avLst/>
@@ -2640,8 +2640,8 @@
         </p:nvSpPr>
         <p:spPr>
           <a:xfrm>
-            <a:off x="914400" y="1706883"/>
-            <a:ext cx="16459200" cy="4827694"/>
+            <a:off x="914400" y="1813563"/>
+            <a:ext cx="16459200" cy="5129425"/>
           </a:xfrm>
           <a:prstGeom prst="rect">
             <a:avLst/>
@@ -2702,8 +2702,8 @@
         </p:nvSpPr>
         <p:spPr>
           <a:xfrm>
-            <a:off x="914400" y="6780110"/>
-            <a:ext cx="4267200" cy="389466"/>
+            <a:off x="914400" y="7203867"/>
+            <a:ext cx="4267200" cy="413808"/>
           </a:xfrm>
           <a:prstGeom prst="rect">
             <a:avLst/>
@@ -2743,8 +2743,8 @@
         </p:nvSpPr>
         <p:spPr>
           <a:xfrm>
-            <a:off x="6248400" y="6780110"/>
-            <a:ext cx="5791200" cy="389466"/>
+            <a:off x="6248400" y="7203867"/>
+            <a:ext cx="5791200" cy="413808"/>
           </a:xfrm>
           <a:prstGeom prst="rect">
             <a:avLst/>
@@ -2780,8 +2780,8 @@
         </p:nvSpPr>
         <p:spPr>
           <a:xfrm>
-            <a:off x="13106400" y="6780110"/>
-            <a:ext cx="4267200" cy="389466"/>
+            <a:off x="13106400" y="7203867"/>
+            <a:ext cx="4267200" cy="413808"/>
           </a:xfrm>
           <a:prstGeom prst="rect">
             <a:avLst/>
@@ -3102,7 +3102,7 @@
       </p:grpSpPr>
       <p:cxnSp>
         <p:nvCxnSpPr>
-          <p:cNvPr id="175" name="Straight Connector 174"/>
+          <p:cNvPr id="79" name="Straight Connector 78"/>
           <p:cNvCxnSpPr/>
           <p:nvPr/>
         </p:nvCxnSpPr>
@@ -3137,7 +3137,7 @@
       </p:cxnSp>
       <p:cxnSp>
         <p:nvCxnSpPr>
-          <p:cNvPr id="176" name="Straight Connector 175"/>
+          <p:cNvPr id="80" name="Straight Connector 79"/>
           <p:cNvCxnSpPr/>
           <p:nvPr/>
         </p:nvCxnSpPr>
@@ -3172,7 +3172,7 @@
       </p:cxnSp>
       <p:cxnSp>
         <p:nvCxnSpPr>
-          <p:cNvPr id="177" name="Straight Connector 176"/>
+          <p:cNvPr id="81" name="Straight Connector 80"/>
           <p:cNvCxnSpPr/>
           <p:nvPr/>
         </p:nvCxnSpPr>
@@ -3207,7 +3207,7 @@
       </p:cxnSp>
       <p:cxnSp>
         <p:nvCxnSpPr>
-          <p:cNvPr id="178" name="Straight Connector 177"/>
+          <p:cNvPr id="82" name="Straight Connector 81"/>
           <p:cNvCxnSpPr/>
           <p:nvPr/>
         </p:nvCxnSpPr>
@@ -3243,7 +3243,7 @@
       </p:cxnSp>
       <p:cxnSp>
         <p:nvCxnSpPr>
-          <p:cNvPr id="179" name="Straight Connector 178"/>
+          <p:cNvPr id="83" name="Straight Connector 82"/>
           <p:cNvCxnSpPr/>
           <p:nvPr/>
         </p:nvCxnSpPr>
@@ -3279,7 +3279,7 @@
       </p:cxnSp>
       <p:sp>
         <p:nvSpPr>
-          <p:cNvPr id="180" name="Rectangle 179"/>
+          <p:cNvPr id="84" name="Rectangle 83"/>
           <p:cNvSpPr/>
           <p:nvPr/>
         </p:nvSpPr>
@@ -3323,7 +3323,7 @@
       </p:sp>
       <p:sp>
         <p:nvSpPr>
-          <p:cNvPr id="181" name="TextBox 180"/>
+          <p:cNvPr id="85" name="TextBox 84"/>
           <p:cNvSpPr txBox="1"/>
           <p:nvPr/>
         </p:nvSpPr>
@@ -3354,7 +3354,7 @@
       </p:sp>
       <p:sp>
         <p:nvSpPr>
-          <p:cNvPr id="182" name="Rectangle 181"/>
+          <p:cNvPr id="86" name="Rectangle 85"/>
           <p:cNvSpPr/>
           <p:nvPr/>
         </p:nvSpPr>
@@ -3398,7 +3398,7 @@
       </p:sp>
       <p:sp>
         <p:nvSpPr>
-          <p:cNvPr id="183" name="Rectangle 182"/>
+          <p:cNvPr id="87" name="Rectangle 86"/>
           <p:cNvSpPr/>
           <p:nvPr/>
         </p:nvSpPr>
@@ -3442,7 +3442,7 @@
       </p:sp>
       <p:sp>
         <p:nvSpPr>
-          <p:cNvPr id="184" name="TextBox 183"/>
+          <p:cNvPr id="88" name="TextBox 87"/>
           <p:cNvSpPr txBox="1"/>
           <p:nvPr/>
         </p:nvSpPr>
@@ -3481,7 +3481,7 @@
       </p:sp>
       <p:sp>
         <p:nvSpPr>
-          <p:cNvPr id="185" name="Rectangle 184"/>
+          <p:cNvPr id="89" name="Rectangle 88"/>
           <p:cNvSpPr/>
           <p:nvPr/>
         </p:nvSpPr>
@@ -3525,7 +3525,7 @@
       </p:sp>
       <p:sp>
         <p:nvSpPr>
-          <p:cNvPr id="186" name="TextBox 185"/>
+          <p:cNvPr id="90" name="TextBox 89"/>
           <p:cNvSpPr txBox="1"/>
           <p:nvPr/>
         </p:nvSpPr>
@@ -3560,7 +3560,7 @@
       </p:sp>
       <p:sp>
         <p:nvSpPr>
-          <p:cNvPr id="187" name="Rectangle 186"/>
+          <p:cNvPr id="91" name="Rectangle 90"/>
           <p:cNvSpPr/>
           <p:nvPr/>
         </p:nvSpPr>
@@ -3604,7 +3604,7 @@
       </p:sp>
       <p:sp>
         <p:nvSpPr>
-          <p:cNvPr id="188" name="TextBox 187"/>
+          <p:cNvPr id="92" name="TextBox 91"/>
           <p:cNvSpPr txBox="1"/>
           <p:nvPr/>
         </p:nvSpPr>
@@ -3642,7 +3642,7 @@
       </p:sp>
       <p:sp>
         <p:nvSpPr>
-          <p:cNvPr id="189" name="TextBox 188"/>
+          <p:cNvPr id="93" name="TextBox 92"/>
           <p:cNvSpPr txBox="1"/>
           <p:nvPr/>
         </p:nvSpPr>
@@ -3690,7 +3690,7 @@
       </p:sp>
       <p:sp>
         <p:nvSpPr>
-          <p:cNvPr id="190" name="TextBox 189"/>
+          <p:cNvPr id="94" name="TextBox 93"/>
           <p:cNvSpPr txBox="1"/>
           <p:nvPr/>
         </p:nvSpPr>
@@ -3721,7 +3721,7 @@
       </p:sp>
       <p:sp>
         <p:nvSpPr>
-          <p:cNvPr id="191" name="TextBox 190"/>
+          <p:cNvPr id="95" name="TextBox 94"/>
           <p:cNvSpPr txBox="1"/>
           <p:nvPr/>
         </p:nvSpPr>
@@ -3752,7 +3752,7 @@
       </p:sp>
       <p:sp>
         <p:nvSpPr>
-          <p:cNvPr id="192" name="TextBox 191"/>
+          <p:cNvPr id="96" name="TextBox 95"/>
           <p:cNvSpPr txBox="1"/>
           <p:nvPr/>
         </p:nvSpPr>
@@ -3782,7 +3782,7 @@
       </p:sp>
       <p:sp>
         <p:nvSpPr>
-          <p:cNvPr id="193" name="TextBox 192"/>
+          <p:cNvPr id="97" name="TextBox 96"/>
           <p:cNvSpPr txBox="1"/>
           <p:nvPr/>
         </p:nvSpPr>
@@ -3813,7 +3813,7 @@
       </p:sp>
       <p:sp>
         <p:nvSpPr>
-          <p:cNvPr id="194" name="TextBox 193"/>
+          <p:cNvPr id="98" name="TextBox 97"/>
           <p:cNvSpPr txBox="1"/>
           <p:nvPr/>
         </p:nvSpPr>
@@ -3844,7 +3844,7 @@
       </p:sp>
       <p:cxnSp>
         <p:nvCxnSpPr>
-          <p:cNvPr id="195" name="Straight Arrow Connector 194"/>
+          <p:cNvPr id="99" name="Straight Arrow Connector 98"/>
           <p:cNvCxnSpPr/>
           <p:nvPr/>
         </p:nvCxnSpPr>
@@ -3881,7 +3881,7 @@
       </p:cxnSp>
       <p:cxnSp>
         <p:nvCxnSpPr>
-          <p:cNvPr id="196" name="Straight Arrow Connector 195"/>
+          <p:cNvPr id="100" name="Straight Arrow Connector 99"/>
           <p:cNvCxnSpPr/>
           <p:nvPr/>
         </p:nvCxnSpPr>
@@ -3918,7 +3918,7 @@
       </p:cxnSp>
       <p:cxnSp>
         <p:nvCxnSpPr>
-          <p:cNvPr id="197" name="Straight Arrow Connector 196"/>
+          <p:cNvPr id="101" name="Straight Arrow Connector 100"/>
           <p:cNvCxnSpPr/>
           <p:nvPr/>
         </p:nvCxnSpPr>
@@ -3955,7 +3955,7 @@
       </p:cxnSp>
       <p:cxnSp>
         <p:nvCxnSpPr>
-          <p:cNvPr id="198" name="Straight Arrow Connector 197"/>
+          <p:cNvPr id="102" name="Straight Arrow Connector 101"/>
           <p:cNvCxnSpPr/>
           <p:nvPr/>
         </p:nvCxnSpPr>
@@ -3992,7 +3992,7 @@
       </p:cxnSp>
       <p:cxnSp>
         <p:nvCxnSpPr>
-          <p:cNvPr id="199" name="Straight Arrow Connector 198"/>
+          <p:cNvPr id="103" name="Straight Arrow Connector 102"/>
           <p:cNvCxnSpPr/>
           <p:nvPr/>
         </p:nvCxnSpPr>
@@ -4029,7 +4029,7 @@
       </p:cxnSp>
       <p:cxnSp>
         <p:nvCxnSpPr>
-          <p:cNvPr id="200" name="Straight Arrow Connector 199"/>
+          <p:cNvPr id="104" name="Straight Arrow Connector 103"/>
           <p:cNvCxnSpPr/>
           <p:nvPr/>
         </p:nvCxnSpPr>
@@ -4066,7 +4066,7 @@
       </p:cxnSp>
       <p:cxnSp>
         <p:nvCxnSpPr>
-          <p:cNvPr id="201" name="Straight Arrow Connector 200"/>
+          <p:cNvPr id="105" name="Straight Arrow Connector 104"/>
           <p:cNvCxnSpPr/>
           <p:nvPr/>
         </p:nvCxnSpPr>
@@ -4103,7 +4103,7 @@
       </p:cxnSp>
       <p:cxnSp>
         <p:nvCxnSpPr>
-          <p:cNvPr id="202" name="Straight Arrow Connector 201"/>
+          <p:cNvPr id="106" name="Straight Arrow Connector 105"/>
           <p:cNvCxnSpPr/>
           <p:nvPr/>
         </p:nvCxnSpPr>
@@ -4140,7 +4140,7 @@
       </p:cxnSp>
       <p:cxnSp>
         <p:nvCxnSpPr>
-          <p:cNvPr id="203" name="Straight Connector 202"/>
+          <p:cNvPr id="107" name="Straight Connector 106"/>
           <p:cNvCxnSpPr/>
           <p:nvPr/>
         </p:nvCxnSpPr>
@@ -4176,7 +4176,7 @@
       </p:cxnSp>
       <p:cxnSp>
         <p:nvCxnSpPr>
-          <p:cNvPr id="204" name="Straight Connector 203"/>
+          <p:cNvPr id="108" name="Straight Connector 107"/>
           <p:cNvCxnSpPr/>
           <p:nvPr/>
         </p:nvCxnSpPr>
@@ -4212,7 +4212,7 @@
       </p:cxnSp>
       <p:sp>
         <p:nvSpPr>
-          <p:cNvPr id="205" name="Rectangle 204"/>
+          <p:cNvPr id="109" name="Rectangle 108"/>
           <p:cNvSpPr/>
           <p:nvPr/>
         </p:nvSpPr>
@@ -4256,7 +4256,7 @@
       </p:sp>
       <p:sp>
         <p:nvSpPr>
-          <p:cNvPr id="206" name="TextBox 205"/>
+          <p:cNvPr id="110" name="TextBox 109"/>
           <p:cNvSpPr txBox="1"/>
           <p:nvPr/>
         </p:nvSpPr>
@@ -4287,7 +4287,7 @@
       </p:sp>
       <p:sp>
         <p:nvSpPr>
-          <p:cNvPr id="207" name="Rectangle 206"/>
+          <p:cNvPr id="111" name="Rectangle 110"/>
           <p:cNvSpPr/>
           <p:nvPr/>
         </p:nvSpPr>
@@ -4331,7 +4331,7 @@
       </p:sp>
       <p:sp>
         <p:nvSpPr>
-          <p:cNvPr id="208" name="Rectangle 207"/>
+          <p:cNvPr id="112" name="Rectangle 111"/>
           <p:cNvSpPr/>
           <p:nvPr/>
         </p:nvSpPr>
@@ -4375,7 +4375,7 @@
       </p:sp>
       <p:sp>
         <p:nvSpPr>
-          <p:cNvPr id="209" name="TextBox 208"/>
+          <p:cNvPr id="113" name="TextBox 112"/>
           <p:cNvSpPr txBox="1"/>
           <p:nvPr/>
         </p:nvSpPr>
@@ -4410,7 +4410,7 @@
       </p:sp>
       <p:sp>
         <p:nvSpPr>
-          <p:cNvPr id="210" name="Rectangle 209"/>
+          <p:cNvPr id="114" name="Rectangle 113"/>
           <p:cNvSpPr/>
           <p:nvPr/>
         </p:nvSpPr>
@@ -4454,7 +4454,7 @@
       </p:sp>
       <p:sp>
         <p:nvSpPr>
-          <p:cNvPr id="211" name="TextBox 210"/>
+          <p:cNvPr id="115" name="TextBox 114"/>
           <p:cNvSpPr txBox="1"/>
           <p:nvPr/>
         </p:nvSpPr>
@@ -4489,7 +4489,7 @@
       </p:sp>
       <p:sp>
         <p:nvSpPr>
-          <p:cNvPr id="212" name="Rectangle 211"/>
+          <p:cNvPr id="116" name="Rectangle 115"/>
           <p:cNvSpPr/>
           <p:nvPr/>
         </p:nvSpPr>
@@ -4533,7 +4533,7 @@
       </p:sp>
       <p:sp>
         <p:nvSpPr>
-          <p:cNvPr id="213" name="TextBox 212"/>
+          <p:cNvPr id="117" name="TextBox 116"/>
           <p:cNvSpPr txBox="1"/>
           <p:nvPr/>
         </p:nvSpPr>
@@ -4571,7 +4571,7 @@
       </p:sp>
       <p:sp>
         <p:nvSpPr>
-          <p:cNvPr id="214" name="TextBox 213"/>
+          <p:cNvPr id="118" name="TextBox 117"/>
           <p:cNvSpPr txBox="1"/>
           <p:nvPr/>
         </p:nvSpPr>
@@ -4602,7 +4602,7 @@
       </p:sp>
       <p:sp>
         <p:nvSpPr>
-          <p:cNvPr id="215" name="TextBox 214"/>
+          <p:cNvPr id="119" name="TextBox 118"/>
           <p:cNvSpPr txBox="1"/>
           <p:nvPr/>
         </p:nvSpPr>
@@ -4633,7 +4633,7 @@
       </p:sp>
       <p:sp>
         <p:nvSpPr>
-          <p:cNvPr id="216" name="TextBox 215"/>
+          <p:cNvPr id="120" name="TextBox 119"/>
           <p:cNvSpPr txBox="1"/>
           <p:nvPr/>
         </p:nvSpPr>
@@ -4663,7 +4663,7 @@
       </p:sp>
       <p:cxnSp>
         <p:nvCxnSpPr>
-          <p:cNvPr id="217" name="Straight Arrow Connector 216"/>
+          <p:cNvPr id="121" name="Straight Arrow Connector 120"/>
           <p:cNvCxnSpPr/>
           <p:nvPr/>
         </p:nvCxnSpPr>
@@ -4700,7 +4700,7 @@
       </p:cxnSp>
       <p:cxnSp>
         <p:nvCxnSpPr>
-          <p:cNvPr id="218" name="Straight Arrow Connector 217"/>
+          <p:cNvPr id="122" name="Straight Arrow Connector 121"/>
           <p:cNvCxnSpPr/>
           <p:nvPr/>
         </p:nvCxnSpPr>
@@ -4737,7 +4737,7 @@
       </p:cxnSp>
       <p:cxnSp>
         <p:nvCxnSpPr>
-          <p:cNvPr id="219" name="Straight Arrow Connector 218"/>
+          <p:cNvPr id="123" name="Straight Arrow Connector 122"/>
           <p:cNvCxnSpPr/>
           <p:nvPr/>
         </p:nvCxnSpPr>
@@ -4774,7 +4774,7 @@
       </p:cxnSp>
       <p:cxnSp>
         <p:nvCxnSpPr>
-          <p:cNvPr id="220" name="Straight Arrow Connector 219"/>
+          <p:cNvPr id="124" name="Straight Arrow Connector 123"/>
           <p:cNvCxnSpPr/>
           <p:nvPr/>
         </p:nvCxnSpPr>
@@ -4811,7 +4811,7 @@
       </p:cxnSp>
       <p:cxnSp>
         <p:nvCxnSpPr>
-          <p:cNvPr id="221" name="Straight Arrow Connector 220"/>
+          <p:cNvPr id="125" name="Straight Arrow Connector 124"/>
           <p:cNvCxnSpPr/>
           <p:nvPr/>
         </p:nvCxnSpPr>
@@ -4848,7 +4848,7 @@
       </p:cxnSp>
       <p:cxnSp>
         <p:nvCxnSpPr>
-          <p:cNvPr id="222" name="Straight Arrow Connector 221"/>
+          <p:cNvPr id="126" name="Straight Arrow Connector 125"/>
           <p:cNvCxnSpPr/>
           <p:nvPr/>
         </p:nvCxnSpPr>
@@ -4885,7 +4885,7 @@
       </p:cxnSp>
       <p:cxnSp>
         <p:nvCxnSpPr>
-          <p:cNvPr id="223" name="Straight Arrow Connector 222"/>
+          <p:cNvPr id="127" name="Straight Arrow Connector 126"/>
           <p:cNvCxnSpPr/>
           <p:nvPr/>
         </p:nvCxnSpPr>
@@ -4922,7 +4922,7 @@
       </p:cxnSp>
       <p:cxnSp>
         <p:nvCxnSpPr>
-          <p:cNvPr id="224" name="Straight Arrow Connector 223"/>
+          <p:cNvPr id="128" name="Straight Arrow Connector 127"/>
           <p:cNvCxnSpPr/>
           <p:nvPr/>
         </p:nvCxnSpPr>
@@ -4959,7 +4959,7 @@
       </p:cxnSp>
       <p:cxnSp>
         <p:nvCxnSpPr>
-          <p:cNvPr id="225" name="Straight Connector 224"/>
+          <p:cNvPr id="129" name="Straight Connector 128"/>
           <p:cNvCxnSpPr/>
           <p:nvPr/>
         </p:nvCxnSpPr>
@@ -4995,7 +4995,7 @@
       </p:cxnSp>
       <p:cxnSp>
         <p:nvCxnSpPr>
-          <p:cNvPr id="226" name="Straight Connector 225"/>
+          <p:cNvPr id="130" name="Straight Connector 129"/>
           <p:cNvCxnSpPr/>
           <p:nvPr/>
         </p:nvCxnSpPr>
@@ -5031,7 +5031,7 @@
       </p:cxnSp>
       <p:sp>
         <p:nvSpPr>
-          <p:cNvPr id="227" name="Rectangle 226"/>
+          <p:cNvPr id="131" name="Rectangle 130"/>
           <p:cNvSpPr/>
           <p:nvPr/>
         </p:nvSpPr>
@@ -5075,7 +5075,7 @@
       </p:sp>
       <p:sp>
         <p:nvSpPr>
-          <p:cNvPr id="228" name="TextBox 227"/>
+          <p:cNvPr id="132" name="TextBox 131"/>
           <p:cNvSpPr txBox="1"/>
           <p:nvPr/>
         </p:nvSpPr>
@@ -5106,7 +5106,7 @@
       </p:sp>
       <p:sp>
         <p:nvSpPr>
-          <p:cNvPr id="229" name="Rectangle 228"/>
+          <p:cNvPr id="133" name="Rectangle 132"/>
           <p:cNvSpPr/>
           <p:nvPr/>
         </p:nvSpPr>
@@ -5150,7 +5150,7 @@
       </p:sp>
       <p:sp>
         <p:nvSpPr>
-          <p:cNvPr id="230" name="Rectangle 229"/>
+          <p:cNvPr id="134" name="Rectangle 133"/>
           <p:cNvSpPr/>
           <p:nvPr/>
         </p:nvSpPr>
@@ -5194,7 +5194,7 @@
       </p:sp>
       <p:sp>
         <p:nvSpPr>
-          <p:cNvPr id="231" name="TextBox 230"/>
+          <p:cNvPr id="135" name="TextBox 134"/>
           <p:cNvSpPr txBox="1"/>
           <p:nvPr/>
         </p:nvSpPr>
@@ -5229,7 +5229,7 @@
       </p:sp>
       <p:sp>
         <p:nvSpPr>
-          <p:cNvPr id="232" name="TextBox 231"/>
+          <p:cNvPr id="136" name="TextBox 135"/>
           <p:cNvSpPr txBox="1"/>
           <p:nvPr/>
         </p:nvSpPr>
@@ -5260,7 +5260,7 @@
       </p:sp>
       <p:sp>
         <p:nvSpPr>
-          <p:cNvPr id="233" name="TextBox 232"/>
+          <p:cNvPr id="137" name="TextBox 136"/>
           <p:cNvSpPr txBox="1"/>
           <p:nvPr/>
         </p:nvSpPr>
@@ -5291,7 +5291,7 @@
       </p:sp>
       <p:sp>
         <p:nvSpPr>
-          <p:cNvPr id="234" name="TextBox 233"/>
+          <p:cNvPr id="138" name="TextBox 137"/>
           <p:cNvSpPr txBox="1"/>
           <p:nvPr/>
         </p:nvSpPr>
@@ -5321,7 +5321,7 @@
       </p:sp>
       <p:cxnSp>
         <p:nvCxnSpPr>
-          <p:cNvPr id="235" name="Straight Arrow Connector 234"/>
+          <p:cNvPr id="139" name="Straight Arrow Connector 138"/>
           <p:cNvCxnSpPr/>
           <p:nvPr/>
         </p:nvCxnSpPr>
@@ -5358,7 +5358,7 @@
       </p:cxnSp>
       <p:cxnSp>
         <p:nvCxnSpPr>
-          <p:cNvPr id="236" name="Straight Arrow Connector 235"/>
+          <p:cNvPr id="140" name="Straight Arrow Connector 139"/>
           <p:cNvCxnSpPr/>
           <p:nvPr/>
         </p:nvCxnSpPr>
@@ -5395,7 +5395,7 @@
       </p:cxnSp>
       <p:cxnSp>
         <p:nvCxnSpPr>
-          <p:cNvPr id="237" name="Straight Arrow Connector 236"/>
+          <p:cNvPr id="141" name="Straight Arrow Connector 140"/>
           <p:cNvCxnSpPr/>
           <p:nvPr/>
         </p:nvCxnSpPr>
@@ -5432,7 +5432,7 @@
       </p:cxnSp>
       <p:cxnSp>
         <p:nvCxnSpPr>
-          <p:cNvPr id="238" name="Straight Arrow Connector 237"/>
+          <p:cNvPr id="142" name="Straight Arrow Connector 141"/>
           <p:cNvCxnSpPr/>
           <p:nvPr/>
         </p:nvCxnSpPr>
@@ -5469,7 +5469,7 @@
       </p:cxnSp>
       <p:cxnSp>
         <p:nvCxnSpPr>
-          <p:cNvPr id="239" name="Straight Arrow Connector 238"/>
+          <p:cNvPr id="143" name="Straight Arrow Connector 142"/>
           <p:cNvCxnSpPr/>
           <p:nvPr/>
         </p:nvCxnSpPr>
@@ -5504,6 +5504,198 @@
           </a:fontRef>
         </p:style>
       </p:cxnSp>
+      <p:cxnSp>
+        <p:nvCxnSpPr>
+          <p:cNvPr id="144" name="Straight Arrow Connector 143"/>
+          <p:cNvCxnSpPr/>
+          <p:nvPr/>
+        </p:nvCxnSpPr>
+        <p:spPr>
+          <a:xfrm>
+            <a:off x="4102754" y="7496087"/>
+            <a:ext cx="660390" cy="0"/>
+          </a:xfrm>
+          <a:prstGeom prst="straightConnector1">
+            <a:avLst/>
+          </a:prstGeom>
+          <a:ln>
+            <a:solidFill>
+              <a:srgbClr val="000000"/>
+            </a:solidFill>
+            <a:headEnd type="oval"/>
+            <a:tailEnd type="triangle"/>
+          </a:ln>
+        </p:spPr>
+        <p:style>
+          <a:lnRef idx="2">
+            <a:schemeClr val="accent1"/>
+          </a:lnRef>
+          <a:fillRef idx="0">
+            <a:schemeClr val="accent1"/>
+          </a:fillRef>
+          <a:effectRef idx="1">
+            <a:schemeClr val="accent1"/>
+          </a:effectRef>
+          <a:fontRef idx="minor">
+            <a:schemeClr val="tx1"/>
+          </a:fontRef>
+        </p:style>
+      </p:cxnSp>
+      <p:sp>
+        <p:nvSpPr>
+          <p:cNvPr id="14" name="Rectangle 13"/>
+          <p:cNvSpPr/>
+          <p:nvPr/>
+        </p:nvSpPr>
+        <p:spPr>
+          <a:xfrm>
+            <a:off x="3791001" y="7265606"/>
+            <a:ext cx="10180709" cy="460961"/>
+          </a:xfrm>
+          <a:prstGeom prst="rect">
+            <a:avLst/>
+          </a:prstGeom>
+          <a:noFill/>
+          <a:ln w="6350" cmpd="sng">
+            <a:solidFill>
+              <a:srgbClr val="000000"/>
+            </a:solidFill>
+            <a:prstDash val="sysDash"/>
+          </a:ln>
+        </p:spPr>
+        <p:style>
+          <a:lnRef idx="1">
+            <a:schemeClr val="accent1"/>
+          </a:lnRef>
+          <a:fillRef idx="3">
+            <a:schemeClr val="accent1"/>
+          </a:fillRef>
+          <a:effectRef idx="2">
+            <a:schemeClr val="accent1"/>
+          </a:effectRef>
+          <a:fontRef idx="minor">
+            <a:schemeClr val="lt1"/>
+          </a:fontRef>
+        </p:style>
+        <p:txBody>
+          <a:bodyPr rtlCol="0" anchor="ctr"/>
+          <a:lstStyle/>
+          <a:p>
+            <a:pPr algn="ctr"/>
+            <a:endParaRPr lang="en-US"/>
+          </a:p>
+        </p:txBody>
+      </p:sp>
+      <p:sp>
+        <p:nvSpPr>
+          <p:cNvPr id="147" name="TextBox 146"/>
+          <p:cNvSpPr txBox="1"/>
+          <p:nvPr/>
+        </p:nvSpPr>
+        <p:spPr>
+          <a:xfrm>
+            <a:off x="4921305" y="7283018"/>
+            <a:ext cx="1968500" cy="400110"/>
+          </a:xfrm>
+          <a:prstGeom prst="rect">
+            <a:avLst/>
+          </a:prstGeom>
+          <a:noFill/>
+        </p:spPr>
+        <p:txBody>
+          <a:bodyPr wrap="square" rtlCol="0">
+            <a:spAutoFit/>
+          </a:bodyPr>
+          <a:lstStyle/>
+          <a:p>
+            <a:pPr algn="ctr"/>
+            <a:r>
+              <a:rPr lang="en-US" sz="2000" dirty="0" smtClean="0"/>
+              <a:t>Execution Flow</a:t>
+            </a:r>
+            <a:endParaRPr lang="en-US" sz="2000" dirty="0"/>
+          </a:p>
+        </p:txBody>
+      </p:sp>
+      <p:sp>
+        <p:nvSpPr>
+          <p:cNvPr id="148" name="Rectangle 147"/>
+          <p:cNvSpPr/>
+          <p:nvPr/>
+        </p:nvSpPr>
+        <p:spPr>
+          <a:xfrm>
+            <a:off x="10885495" y="7352979"/>
+            <a:ext cx="814251" cy="286216"/>
+          </a:xfrm>
+          <a:prstGeom prst="rect">
+            <a:avLst/>
+          </a:prstGeom>
+          <a:noFill/>
+          <a:ln>
+            <a:solidFill>
+              <a:schemeClr val="tx1"/>
+            </a:solidFill>
+          </a:ln>
+        </p:spPr>
+        <p:style>
+          <a:lnRef idx="1">
+            <a:schemeClr val="accent1"/>
+          </a:lnRef>
+          <a:fillRef idx="3">
+            <a:schemeClr val="accent1"/>
+          </a:fillRef>
+          <a:effectRef idx="2">
+            <a:schemeClr val="accent1"/>
+          </a:effectRef>
+          <a:fontRef idx="minor">
+            <a:schemeClr val="lt1"/>
+          </a:fontRef>
+        </p:style>
+        <p:txBody>
+          <a:bodyPr rtlCol="0" anchor="ctr"/>
+          <a:lstStyle/>
+          <a:p>
+            <a:pPr algn="ctr"/>
+            <a:endParaRPr lang="en-US" sz="2000"/>
+          </a:p>
+        </p:txBody>
+      </p:sp>
+      <p:sp>
+        <p:nvSpPr>
+          <p:cNvPr id="149" name="TextBox 148"/>
+          <p:cNvSpPr txBox="1"/>
+          <p:nvPr/>
+        </p:nvSpPr>
+        <p:spPr>
+          <a:xfrm>
+            <a:off x="11434429" y="7265606"/>
+            <a:ext cx="2537281" cy="400110"/>
+          </a:xfrm>
+          <a:prstGeom prst="rect">
+            <a:avLst/>
+          </a:prstGeom>
+          <a:noFill/>
+        </p:spPr>
+        <p:txBody>
+          <a:bodyPr wrap="square" rtlCol="0">
+            <a:spAutoFit/>
+          </a:bodyPr>
+          <a:lstStyle/>
+          <a:p>
+            <a:pPr algn="ctr"/>
+            <a:r>
+              <a:rPr lang="en-US" sz="2000" dirty="0" smtClean="0"/>
+              <a:t>Execution </a:t>
+            </a:r>
+            <a:r>
+              <a:rPr lang="en-US" altLang="zh-CN" sz="2000" dirty="0" smtClean="0"/>
+              <a:t>Cost</a:t>
+            </a:r>
+            <a:endParaRPr lang="en-US" sz="2000" dirty="0"/>
+          </a:p>
+        </p:txBody>
+      </p:sp>
     </p:spTree>
     <p:extLst>
       <p:ext uri="{BB962C8B-B14F-4D97-AF65-F5344CB8AC3E}">

--- a/doc/paper/image/overview/overview.pptx
+++ b/doc/paper/image/overview/overview.pptx
@@ -3819,8 +3819,8 @@
         </p:nvSpPr>
         <p:spPr>
           <a:xfrm>
-            <a:off x="350824" y="5716390"/>
-            <a:ext cx="2914837" cy="707886"/>
+            <a:off x="190500" y="5716390"/>
+            <a:ext cx="3075161" cy="1015663"/>
           </a:xfrm>
           <a:prstGeom prst="rect">
             <a:avLst/>
@@ -3836,7 +3836,15 @@
             <a:pPr algn="ctr"/>
             <a:r>
               <a:rPr lang="en-US" sz="2000" b="1" dirty="0" smtClean="0"/>
-              <a:t>(c) Fine-grained Validation Enabled </a:t>
+              <a:t>(c) </a:t>
+            </a:r>
+            <a:r>
+              <a:rPr lang="en-US" sz="2000" b="1" dirty="0" smtClean="0"/>
+              <a:t>Page Table Cache + Fine</a:t>
+            </a:r>
+            <a:r>
+              <a:rPr lang="en-US" sz="2000" b="1" dirty="0" smtClean="0"/>
+              <a:t>-grained Validation Enabled </a:t>
             </a:r>
             <a:endParaRPr lang="en-US" sz="2000" b="1" dirty="0"/>
           </a:p>

--- a/doc/paper/image/overview/overview.pptx
+++ b/doc/paper/image/overview/overview.pptx
@@ -288,7 +288,7 @@
           <a:p>
             <a:fld id="{744B9CBE-27F0-AE4D-9C59-4DBB758A3D82}" type="datetimeFigureOut">
               <a:rPr lang="en-US" smtClean="0"/>
-              <a:t>3/17/15</a:t>
+              <a:t>3/20/15</a:t>
             </a:fld>
             <a:endParaRPr lang="en-US"/>
           </a:p>
@@ -458,7 +458,7 @@
           <a:p>
             <a:fld id="{744B9CBE-27F0-AE4D-9C59-4DBB758A3D82}" type="datetimeFigureOut">
               <a:rPr lang="en-US" smtClean="0"/>
-              <a:t>3/17/15</a:t>
+              <a:t>3/20/15</a:t>
             </a:fld>
             <a:endParaRPr lang="en-US"/>
           </a:p>
@@ -638,7 +638,7 @@
           <a:p>
             <a:fld id="{744B9CBE-27F0-AE4D-9C59-4DBB758A3D82}" type="datetimeFigureOut">
               <a:rPr lang="en-US" smtClean="0"/>
-              <a:t>3/17/15</a:t>
+              <a:t>3/20/15</a:t>
             </a:fld>
             <a:endParaRPr lang="en-US"/>
           </a:p>
@@ -808,7 +808,7 @@
           <a:p>
             <a:fld id="{744B9CBE-27F0-AE4D-9C59-4DBB758A3D82}" type="datetimeFigureOut">
               <a:rPr lang="en-US" smtClean="0"/>
-              <a:t>3/17/15</a:t>
+              <a:t>3/20/15</a:t>
             </a:fld>
             <a:endParaRPr lang="en-US"/>
           </a:p>
@@ -1054,7 +1054,7 @@
           <a:p>
             <a:fld id="{744B9CBE-27F0-AE4D-9C59-4DBB758A3D82}" type="datetimeFigureOut">
               <a:rPr lang="en-US" smtClean="0"/>
-              <a:t>3/17/15</a:t>
+              <a:t>3/20/15</a:t>
             </a:fld>
             <a:endParaRPr lang="en-US"/>
           </a:p>
@@ -1342,7 +1342,7 @@
           <a:p>
             <a:fld id="{744B9CBE-27F0-AE4D-9C59-4DBB758A3D82}" type="datetimeFigureOut">
               <a:rPr lang="en-US" smtClean="0"/>
-              <a:t>3/17/15</a:t>
+              <a:t>3/20/15</a:t>
             </a:fld>
             <a:endParaRPr lang="en-US"/>
           </a:p>
@@ -1769,7 +1769,7 @@
           <a:p>
             <a:fld id="{744B9CBE-27F0-AE4D-9C59-4DBB758A3D82}" type="datetimeFigureOut">
               <a:rPr lang="en-US" smtClean="0"/>
-              <a:t>3/17/15</a:t>
+              <a:t>3/20/15</a:t>
             </a:fld>
             <a:endParaRPr lang="en-US"/>
           </a:p>
@@ -1887,7 +1887,7 @@
           <a:p>
             <a:fld id="{744B9CBE-27F0-AE4D-9C59-4DBB758A3D82}" type="datetimeFigureOut">
               <a:rPr lang="en-US" smtClean="0"/>
-              <a:t>3/17/15</a:t>
+              <a:t>3/20/15</a:t>
             </a:fld>
             <a:endParaRPr lang="en-US"/>
           </a:p>
@@ -1982,7 +1982,7 @@
           <a:p>
             <a:fld id="{744B9CBE-27F0-AE4D-9C59-4DBB758A3D82}" type="datetimeFigureOut">
               <a:rPr lang="en-US" smtClean="0"/>
-              <a:t>3/17/15</a:t>
+              <a:t>3/20/15</a:t>
             </a:fld>
             <a:endParaRPr lang="en-US"/>
           </a:p>
@@ -2259,7 +2259,7 @@
           <a:p>
             <a:fld id="{744B9CBE-27F0-AE4D-9C59-4DBB758A3D82}" type="datetimeFigureOut">
               <a:rPr lang="en-US" smtClean="0"/>
-              <a:t>3/17/15</a:t>
+              <a:t>3/20/15</a:t>
             </a:fld>
             <a:endParaRPr lang="en-US"/>
           </a:p>
@@ -2512,7 +2512,7 @@
           <a:p>
             <a:fld id="{744B9CBE-27F0-AE4D-9C59-4DBB758A3D82}" type="datetimeFigureOut">
               <a:rPr lang="en-US" smtClean="0"/>
-              <a:t>3/17/15</a:t>
+              <a:t>3/20/15</a:t>
             </a:fld>
             <a:endParaRPr lang="en-US"/>
           </a:p>
@@ -2725,7 +2725,7 @@
           <a:p>
             <a:fld id="{744B9CBE-27F0-AE4D-9C59-4DBB758A3D82}" type="datetimeFigureOut">
               <a:rPr lang="en-US" smtClean="0"/>
-              <a:t>3/17/15</a:t>
+              <a:t>3/20/15</a:t>
             </a:fld>
             <a:endParaRPr lang="en-US"/>
           </a:p>
@@ -3548,11 +3548,7 @@
             <a:pPr algn="ctr"/>
             <a:r>
               <a:rPr lang="en-US" sz="2000" dirty="0" smtClean="0"/>
-              <a:t>DMA </a:t>
-            </a:r>
-            <a:r>
-              <a:rPr lang="en-US" sz="2000" dirty="0" smtClean="0"/>
-              <a:t>Validations</a:t>
+              <a:t>DMA Validations</a:t>
             </a:r>
             <a:endParaRPr lang="en-US" sz="2000" dirty="0"/>
           </a:p>
@@ -3789,7 +3785,7 @@
         <p:spPr>
           <a:xfrm>
             <a:off x="350824" y="3289518"/>
-            <a:ext cx="2914837" cy="707886"/>
+            <a:ext cx="2914837" cy="400110"/>
           </a:xfrm>
           <a:prstGeom prst="rect">
             <a:avLst/>
@@ -3805,7 +3801,19 @@
             <a:pPr algn="ctr"/>
             <a:r>
               <a:rPr lang="en-US" sz="2000" b="1" dirty="0" smtClean="0"/>
-              <a:t>(b) Page Table Cache Enabled</a:t>
+              <a:t>(b) </a:t>
+            </a:r>
+            <a:r>
+              <a:rPr lang="en-US" sz="2000" b="1" dirty="0" err="1" smtClean="0"/>
+              <a:t>PiBooster</a:t>
+            </a:r>
+            <a:r>
+              <a:rPr lang="en-US" sz="2000" b="1" dirty="0" smtClean="0"/>
+              <a:t> </a:t>
+            </a:r>
+            <a:r>
+              <a:rPr lang="en-US" sz="2000" b="1" dirty="0" smtClean="0"/>
+              <a:t>Cache</a:t>
             </a:r>
             <a:endParaRPr lang="en-US" sz="2000" b="1" dirty="0"/>
           </a:p>
@@ -3820,7 +3828,7 @@
         <p:spPr>
           <a:xfrm>
             <a:off x="190500" y="5716390"/>
-            <a:ext cx="3075161" cy="1015663"/>
+            <a:ext cx="3075161" cy="707886"/>
           </a:xfrm>
           <a:prstGeom prst="rect">
             <a:avLst/>
@@ -3839,12 +3847,20 @@
               <a:t>(c) </a:t>
             </a:r>
             <a:r>
+              <a:rPr lang="en-US" sz="2000" b="1" dirty="0" err="1" smtClean="0"/>
+              <a:t>PiBooster</a:t>
+            </a:r>
+            <a:r>
               <a:rPr lang="en-US" sz="2000" b="1" dirty="0" smtClean="0"/>
-              <a:t>Page Table Cache + Fine</a:t>
+              <a:t> Cache </a:t>
             </a:r>
             <a:r>
               <a:rPr lang="en-US" sz="2000" b="1" dirty="0" smtClean="0"/>
-              <a:t>-grained Validation Enabled </a:t>
+              <a:t>+ Fine-grained </a:t>
+            </a:r>
+            <a:r>
+              <a:rPr lang="en-US" sz="2000" b="1" dirty="0" smtClean="0"/>
+              <a:t>Validation</a:t>
             </a:r>
             <a:endParaRPr lang="en-US" sz="2000" b="1" dirty="0"/>
           </a:p>
@@ -4286,8 +4302,12 @@
           <a:p>
             <a:pPr algn="ctr"/>
             <a:r>
+              <a:rPr lang="en-US" sz="2000" dirty="0" err="1" smtClean="0"/>
+              <a:t>PiBooster</a:t>
+            </a:r>
+            <a:r>
               <a:rPr lang="en-US" sz="2000" dirty="0" smtClean="0"/>
-              <a:t>Page Table Cache</a:t>
+              <a:t> Cache</a:t>
             </a:r>
             <a:endParaRPr lang="en-US" sz="2000" dirty="0"/>
           </a:p>
@@ -4406,11 +4426,7 @@
             <a:pPr algn="ctr"/>
             <a:r>
               <a:rPr lang="en-US" sz="2000" dirty="0" smtClean="0"/>
-              <a:t>Page Table </a:t>
-            </a:r>
-            <a:r>
-              <a:rPr lang="en-US" sz="2000" dirty="0" smtClean="0"/>
-              <a:t>Validations</a:t>
+              <a:t>Page Table Validations</a:t>
             </a:r>
             <a:endParaRPr lang="en-US" sz="2000" dirty="0"/>
           </a:p>
@@ -4485,11 +4501,7 @@
             <a:pPr algn="ctr"/>
             <a:r>
               <a:rPr lang="en-US" sz="2000" dirty="0" smtClean="0"/>
-              <a:t>DMA </a:t>
-            </a:r>
-            <a:r>
-              <a:rPr lang="en-US" sz="2000" dirty="0" smtClean="0"/>
-              <a:t>Validations</a:t>
+              <a:t>DMA Validations</a:t>
             </a:r>
             <a:endParaRPr lang="en-US" sz="2000" dirty="0"/>
           </a:p>
@@ -5105,8 +5117,12 @@
           <a:p>
             <a:pPr algn="ctr"/>
             <a:r>
+              <a:rPr lang="en-US" sz="2000" dirty="0" err="1" smtClean="0"/>
+              <a:t>PiBooster</a:t>
+            </a:r>
+            <a:r>
               <a:rPr lang="en-US" sz="2000" dirty="0" smtClean="0"/>
-              <a:t>Page Table Cache</a:t>
+              <a:t> Cache</a:t>
             </a:r>
             <a:endParaRPr lang="en-US" sz="2000" dirty="0"/>
           </a:p>
@@ -5225,11 +5241,7 @@
             <a:pPr algn="ctr"/>
             <a:r>
               <a:rPr lang="en-US" sz="2000" dirty="0" smtClean="0"/>
-              <a:t>Page Table </a:t>
-            </a:r>
-            <a:r>
-              <a:rPr lang="en-US" sz="2000" dirty="0" smtClean="0"/>
-              <a:t>Validations</a:t>
+              <a:t>Page Table Validations</a:t>
             </a:r>
             <a:endParaRPr lang="en-US" sz="2000" dirty="0"/>
           </a:p>
@@ -5520,7 +5532,7 @@
         </p:nvCxnSpPr>
         <p:spPr>
           <a:xfrm>
-            <a:off x="4102754" y="7496087"/>
+            <a:off x="557247" y="7496087"/>
             <a:ext cx="660390" cy="0"/>
           </a:xfrm>
           <a:prstGeom prst="straightConnector1">
@@ -5557,7 +5569,7 @@
         </p:nvSpPr>
         <p:spPr>
           <a:xfrm>
-            <a:off x="3791001" y="7265606"/>
+            <a:off x="245494" y="7265606"/>
             <a:ext cx="10180709" cy="460961"/>
           </a:xfrm>
           <a:prstGeom prst="rect">
@@ -5602,7 +5614,7 @@
         </p:nvSpPr>
         <p:spPr>
           <a:xfrm>
-            <a:off x="4921305" y="7283018"/>
+            <a:off x="1375798" y="7283018"/>
             <a:ext cx="1968500" cy="400110"/>
           </a:xfrm>
           <a:prstGeom prst="rect">
@@ -5633,7 +5645,7 @@
         </p:nvSpPr>
         <p:spPr>
           <a:xfrm>
-            <a:off x="10885495" y="7352979"/>
+            <a:off x="7339988" y="7352979"/>
             <a:ext cx="814251" cy="286216"/>
           </a:xfrm>
           <a:prstGeom prst="rect">
@@ -5677,7 +5689,7 @@
         </p:nvSpPr>
         <p:spPr>
           <a:xfrm>
-            <a:off x="11434429" y="7265606"/>
+            <a:off x="7888922" y="7265606"/>
             <a:ext cx="2537281" cy="400110"/>
           </a:xfrm>
           <a:prstGeom prst="rect">
